--- a/resources/Happiness_factor _NEW.pptx
+++ b/resources/Happiness_factor _NEW.pptx
@@ -4414,7 +4414,7 @@
           <a:p>
             <a:fld id="{2C5B29FA-5E94-9049-A19C-CCF9F51F8160}" type="datetimeFigureOut">
               <a:rPr lang="en-GB" smtClean="0"/>
-              <a:t>02/10/2022</a:t>
+              <a:t>03/10/2022</a:t>
             </a:fld>
             <a:endParaRPr lang="en-GB"/>
           </a:p>
@@ -5836,7 +5836,7 @@
           <a:p>
             <a:fld id="{403CB87E-4591-47A1-9046-CF63F17215EF}" type="datetime2">
               <a:rPr lang="en-US" smtClean="0"/>
-              <a:t>Sunday, October 2, 2022</a:t>
+              <a:t>Monday, October 3, 2022</a:t>
             </a:fld>
             <a:endParaRPr lang="en-US" dirty="0"/>
           </a:p>
@@ -6038,7 +6038,7 @@
           <a:p>
             <a:fld id="{2FA17F0E-8070-4DFE-A821-9A699EDBAD7E}" type="datetime2">
               <a:rPr lang="en-US" smtClean="0"/>
-              <a:t>Sunday, October 2, 2022</a:t>
+              <a:t>Monday, October 3, 2022</a:t>
             </a:fld>
             <a:endParaRPr lang="en-US"/>
           </a:p>
@@ -6250,7 +6250,7 @@
           <a:p>
             <a:fld id="{D88D34AE-C7BF-46E5-A968-01C6641F6476}" type="datetime2">
               <a:rPr lang="en-US" smtClean="0"/>
-              <a:t>Sunday, October 2, 2022</a:t>
+              <a:t>Monday, October 3, 2022</a:t>
             </a:fld>
             <a:endParaRPr lang="en-US"/>
           </a:p>
@@ -6452,7 +6452,7 @@
           <a:p>
             <a:fld id="{F33DE70B-B772-416E-A790-995760B1742E}" type="datetime2">
               <a:rPr lang="en-US" smtClean="0"/>
-              <a:t>Sunday, October 2, 2022</a:t>
+              <a:t>Monday, October 3, 2022</a:t>
             </a:fld>
             <a:endParaRPr lang="en-US" dirty="0"/>
           </a:p>
@@ -6732,7 +6732,7 @@
           <a:p>
             <a:fld id="{76760CDE-A6F1-4138-AF12-ED09E8E5FB6B}" type="datetime2">
               <a:rPr lang="en-US" smtClean="0"/>
-              <a:t>Sunday, October 2, 2022</a:t>
+              <a:t>Monday, October 3, 2022</a:t>
             </a:fld>
             <a:endParaRPr lang="en-US"/>
           </a:p>
@@ -7001,7 +7001,7 @@
           <a:p>
             <a:fld id="{DB15F8B1-DB7B-4D28-A97D-40FB2DD1EF78}" type="datetime2">
               <a:rPr lang="en-US" smtClean="0"/>
-              <a:t>Sunday, October 2, 2022</a:t>
+              <a:t>Monday, October 3, 2022</a:t>
             </a:fld>
             <a:endParaRPr lang="en-US"/>
           </a:p>
@@ -7417,7 +7417,7 @@
           <a:p>
             <a:fld id="{14039161-23B8-4738-9069-73EBE8884FDD}" type="datetime2">
               <a:rPr lang="en-US" smtClean="0"/>
-              <a:t>Sunday, October 2, 2022</a:t>
+              <a:t>Monday, October 3, 2022</a:t>
             </a:fld>
             <a:endParaRPr lang="en-US"/>
           </a:p>
@@ -7562,7 +7562,7 @@
           <a:p>
             <a:fld id="{FA994D44-7693-499F-AC6C-11696134FE3F}" type="datetime2">
               <a:rPr lang="en-US" smtClean="0"/>
-              <a:t>Sunday, October 2, 2022</a:t>
+              <a:t>Monday, October 3, 2022</a:t>
             </a:fld>
             <a:endParaRPr lang="en-US"/>
           </a:p>
@@ -7679,7 +7679,7 @@
           <a:p>
             <a:fld id="{363AF2AE-472C-4EF3-ABB2-24BAA9AE3CF7}" type="datetime2">
               <a:rPr lang="en-US" smtClean="0"/>
-              <a:t>Sunday, October 2, 2022</a:t>
+              <a:t>Monday, October 3, 2022</a:t>
             </a:fld>
             <a:endParaRPr lang="en-US"/>
           </a:p>
@@ -7994,7 +7994,7 @@
           <a:p>
             <a:fld id="{EAEA162C-A7C1-4263-9453-1BAFF8C39559}" type="datetime2">
               <a:rPr lang="en-US" smtClean="0"/>
-              <a:t>Sunday, October 2, 2022</a:t>
+              <a:t>Monday, October 3, 2022</a:t>
             </a:fld>
             <a:endParaRPr lang="en-US"/>
           </a:p>
@@ -8286,7 +8286,7 @@
           <a:p>
             <a:fld id="{64DF6793-3458-4587-8168-65F0C37A92D2}" type="datetime2">
               <a:rPr lang="en-US" smtClean="0"/>
-              <a:t>Sunday, October 2, 2022</a:t>
+              <a:t>Monday, October 3, 2022</a:t>
             </a:fld>
             <a:endParaRPr lang="en-US"/>
           </a:p>
@@ -8532,7 +8532,7 @@
             <a:fld id="{E8352ED3-3C46-4C9A-9738-67B2D875E7E2}" type="datetime2">
               <a:rPr lang="en-US" smtClean="0"/>
               <a:pPr/>
-              <a:t>Sunday, October 2, 2022</a:t>
+              <a:t>Monday, October 3, 2022</a:t>
             </a:fld>
             <a:endParaRPr lang="en-US" dirty="0"/>
           </a:p>
@@ -18009,7 +18009,7 @@
                 <a:ea typeface="Ayuthaya" pitchFamily="2" charset="-34"/>
                 <a:cs typeface="Baghdad" pitchFamily="2" charset="-78"/>
               </a:rPr>
-              <a:t>Four data sets will be gathered from three sources:</a:t>
+              <a:t>Numerous data sets were be gathered from three sources:</a:t>
             </a:r>
           </a:p>
           <a:p>
@@ -18031,40 +18031,8 @@
                 <a:ea typeface="Ayuthaya" pitchFamily="2" charset="-34"/>
                 <a:cs typeface="Baghdad" pitchFamily="2" charset="-78"/>
               </a:rPr>
-              <a:t>Web Scraping of Numbeo: </a:t>
+              <a:t>Web Scraping of Numbeo: https://www.numbeo.com/cost-of-living/rankings_by_country.jsp for years 2019-2022</a:t>
             </a:r>
-            <a:r>
-              <a:rPr lang="en-GB" sz="7200" dirty="0">
-                <a:solidFill>
-                  <a:schemeClr val="tx1">
-                    <a:lumMod val="85000"/>
-                    <a:lumOff val="15000"/>
-                  </a:schemeClr>
-                </a:solidFill>
-                <a:latin typeface="Baghdad" pitchFamily="2" charset="-78"/>
-                <a:ea typeface="Ayuthaya" pitchFamily="2" charset="-34"/>
-                <a:cs typeface="Baghdad" pitchFamily="2" charset="-78"/>
-                <a:hlinkClick r:id="rId4">
-                  <a:extLst>
-                    <a:ext uri="{A12FA001-AC4F-418D-AE19-62706E023703}">
-                      <ahyp:hlinkClr xmlns:ahyp="http://schemas.microsoft.com/office/drawing/2018/hyperlinkcolor" val="tx"/>
-                    </a:ext>
-                  </a:extLst>
-                </a:hlinkClick>
-              </a:rPr>
-              <a:t>https://www.numbeo.com/cost-of-living/rankings_by_country.jsp</a:t>
-            </a:r>
-            <a:endParaRPr lang="en-GB" sz="7200" dirty="0">
-              <a:solidFill>
-                <a:schemeClr val="tx1">
-                  <a:lumMod val="85000"/>
-                  <a:lumOff val="15000"/>
-                </a:schemeClr>
-              </a:solidFill>
-              <a:latin typeface="Baghdad" pitchFamily="2" charset="-78"/>
-              <a:ea typeface="Ayuthaya" pitchFamily="2" charset="-34"/>
-              <a:cs typeface="Baghdad" pitchFamily="2" charset="-78"/>
-            </a:endParaRPr>
           </a:p>
           <a:p>
             <a:pPr marL="1371600" indent="-1371600">
@@ -18085,7 +18053,7 @@
                 <a:ea typeface="Ayuthaya" pitchFamily="2" charset="-34"/>
                 <a:cs typeface="Baghdad" pitchFamily="2" charset="-78"/>
               </a:rPr>
-              <a:t>2. Two CSVs from World Happiness Report: </a:t>
+              <a:t>2. 4 CSV files from World Happiness Report: </a:t>
             </a:r>
             <a:r>
               <a:rPr lang="en-GB" sz="7200" dirty="0">
@@ -18098,7 +18066,7 @@
                 <a:latin typeface="Baghdad" pitchFamily="2" charset="-78"/>
                 <a:ea typeface="Ayuthaya" pitchFamily="2" charset="-34"/>
                 <a:cs typeface="Baghdad" pitchFamily="2" charset="-78"/>
-                <a:hlinkClick r:id="rId5">
+                <a:hlinkClick r:id="rId4">
                   <a:extLst>
                     <a:ext uri="{A12FA001-AC4F-418D-AE19-62706E023703}">
                       <ahyp:hlinkClr xmlns:ahyp="http://schemas.microsoft.com/office/drawing/2018/hyperlinkcolor" val="tx"/>
@@ -18152,7 +18120,7 @@
                 <a:latin typeface="Baghdad" pitchFamily="2" charset="-78"/>
                 <a:ea typeface="Ayuthaya" pitchFamily="2" charset="-34"/>
                 <a:cs typeface="Baghdad" pitchFamily="2" charset="-78"/>
-                <a:hlinkClick r:id="rId6">
+                <a:hlinkClick r:id="rId5">
                   <a:extLst>
                     <a:ext uri="{A12FA001-AC4F-418D-AE19-62706E023703}">
                       <ahyp:hlinkClr xmlns:ahyp="http://schemas.microsoft.com/office/drawing/2018/hyperlinkcolor" val="tx"/>
@@ -18193,7 +18161,7 @@
                 <a:ea typeface="Ayuthaya" pitchFamily="2" charset="-34"/>
                 <a:cs typeface="Baghdad" pitchFamily="2" charset="-78"/>
               </a:rPr>
-              <a:t>We will then clean, transform and upload the data to a PostgreSQL database. </a:t>
+              <a:t>We then cleaned, transformed and uploaded the data to a PostgreSQL database. </a:t>
             </a:r>
             <a:br>
               <a:rPr lang="en-GB" sz="7200" dirty="0">
@@ -18220,7 +18188,7 @@
                 <a:ea typeface="Ayuthaya" pitchFamily="2" charset="-34"/>
                 <a:cs typeface="Baghdad" pitchFamily="2" charset="-78"/>
               </a:rPr>
-              <a:t>Once that is done, we will analyse the data and create visualisations comparing the cost of living across multiple countries. These visualisations will be presented on interactive dashboards using a mixture of Tableau and JavaScript libraries.</a:t>
+              <a:t>Once that was done, we have analysed the data and created visualisations comparing the cost of living across multiple countries. These visualisations will be presented on interactive dashboards using Tableau.</a:t>
             </a:r>
           </a:p>
           <a:p>
@@ -18318,7 +18286,7 @@
           <p:nvPr/>
         </p:nvPicPr>
         <p:blipFill>
-          <a:blip r:embed="rId7"/>
+          <a:blip r:embed="rId6"/>
           <a:stretch>
             <a:fillRect/>
           </a:stretch>
@@ -18348,7 +18316,7 @@
           <p:nvPr/>
         </p:nvPicPr>
         <p:blipFill>
-          <a:blip r:embed="rId7"/>
+          <a:blip r:embed="rId6"/>
           <a:stretch>
             <a:fillRect/>
           </a:stretch>
@@ -18378,7 +18346,7 @@
           <p:nvPr/>
         </p:nvPicPr>
         <p:blipFill>
-          <a:blip r:embed="rId7"/>
+          <a:blip r:embed="rId6"/>
           <a:stretch>
             <a:fillRect/>
           </a:stretch>
@@ -24554,8 +24522,8 @@
         </p:nvSpPr>
         <p:spPr>
           <a:xfrm>
-            <a:off x="4180357" y="1622989"/>
-            <a:ext cx="4187985" cy="3795545"/>
+            <a:off x="835307" y="1622989"/>
+            <a:ext cx="10065574" cy="3795545"/>
           </a:xfrm>
           <a:prstGeom prst="rect">
             <a:avLst/>
@@ -24570,6 +24538,62 @@
             <a:noAutofit/>
           </a:bodyPr>
           <a:lstStyle/>
+          <a:p>
+            <a:pPr marL="285750" lvl="0" indent="-285750">
+              <a:lnSpc>
+                <a:spcPct val="200000"/>
+              </a:lnSpc>
+              <a:buClr>
+                <a:srgbClr val="000000"/>
+              </a:buClr>
+              <a:buSzPct val="75000"/>
+              <a:buFont typeface=".Apple Color Emoji UI"/>
+              <a:buChar char="➡️"/>
+            </a:pPr>
+            <a:r>
+              <a:rPr lang="en-GB" sz="1600" dirty="0">
+                <a:latin typeface="Quattrocento Sans"/>
+                <a:ea typeface="Quattrocento Sans"/>
+                <a:cs typeface="Quattrocento Sans"/>
+                <a:sym typeface="Quattrocento Sans"/>
+              </a:rPr>
+              <a:t>Cost of Living Index: </a:t>
+            </a:r>
+            <a:r>
+              <a:rPr lang="en-GB" dirty="0"/>
+              <a:t>Every index is </a:t>
+            </a:r>
+            <a:r>
+              <a:rPr lang="en-GB" b="1" dirty="0"/>
+              <a:t>relative to New York City (NYC)</a:t>
+            </a:r>
+            <a:r>
+              <a:rPr lang="en-GB" dirty="0"/>
+              <a:t>. For New York City, each index should be 100(%). If another city has, an index of 120, it means </a:t>
+            </a:r>
+            <a:r>
+              <a:rPr lang="en-GB" dirty="0" err="1"/>
+              <a:t>Numbeo</a:t>
+            </a:r>
+            <a:r>
+              <a:rPr lang="en-GB" dirty="0"/>
+              <a:t> has estimated it is 20% more expensive than New York (excluding rent). If a city has an index of 70, it means </a:t>
+            </a:r>
+            <a:r>
+              <a:rPr lang="en-GB" dirty="0" err="1"/>
+              <a:t>Numbeo</a:t>
+            </a:r>
+            <a:r>
+              <a:rPr lang="en-GB" dirty="0"/>
+              <a:t> has estimated it is 30% less expensive than New York (excluding rent).</a:t>
+            </a:r>
+            <a:endParaRPr lang="en-GB" sz="1600" dirty="0">
+              <a:latin typeface="Quattrocento Sans"/>
+              <a:ea typeface="Quattrocento Sans"/>
+              <a:cs typeface="Quattrocento Sans"/>
+              <a:sym typeface="Quattrocento Sans"/>
+            </a:endParaRPr>
+          </a:p>
           <a:p>
             <a:pPr marL="285750" marR="0" lvl="0" indent="-285750" algn="l" rtl="0">
               <a:lnSpc>
@@ -24595,7 +24619,7 @@
                 <a:cs typeface="Quattrocento Sans"/>
                 <a:sym typeface="Quattrocento Sans"/>
               </a:rPr>
-              <a:t>Cost of Living Index</a:t>
+              <a:t>Social support: support from society, family and friends </a:t>
             </a:r>
           </a:p>
           <a:p>
@@ -24617,42 +24641,20 @@
               <a:buChar char="➡️"/>
             </a:pPr>
             <a:r>
-              <a:rPr lang="en-GB" sz="1600" dirty="0">
+              <a:rPr lang="en-GB" sz="1600">
                 <a:latin typeface="Quattrocento Sans"/>
                 <a:ea typeface="Quattrocento Sans"/>
                 <a:cs typeface="Quattrocento Sans"/>
                 <a:sym typeface="Quattrocento Sans"/>
               </a:rPr>
-              <a:t>Social support </a:t>
+              <a:t>Life ladder: </a:t>
             </a:r>
-          </a:p>
-          <a:p>
-            <a:pPr marL="285750" marR="0" lvl="0" indent="-285750" algn="l" rtl="0">
-              <a:lnSpc>
-                <a:spcPct val="200000"/>
-              </a:lnSpc>
-              <a:spcBef>
-                <a:spcPts val="0"/>
-              </a:spcBef>
-              <a:spcAft>
-                <a:spcPts val="0"/>
-              </a:spcAft>
-              <a:buClr>
-                <a:srgbClr val="000000"/>
-              </a:buClr>
-              <a:buSzPct val="75000"/>
-              <a:buFont typeface=".Apple Color Emoji UI"/>
-              <a:buChar char="➡️"/>
-            </a:pPr>
-            <a:r>
-              <a:rPr lang="en-GB" sz="1600" dirty="0">
-                <a:latin typeface="Quattrocento Sans"/>
-                <a:ea typeface="Quattrocento Sans"/>
-                <a:cs typeface="Quattrocento Sans"/>
-                <a:sym typeface="Quattrocento Sans"/>
-              </a:rPr>
-              <a:t>Life ladder </a:t>
-            </a:r>
+            <a:endParaRPr lang="en-GB" sz="1600" dirty="0">
+              <a:latin typeface="Quattrocento Sans"/>
+              <a:ea typeface="Quattrocento Sans"/>
+              <a:cs typeface="Quattrocento Sans"/>
+              <a:sym typeface="Quattrocento Sans"/>
+            </a:endParaRPr>
           </a:p>
           <a:p>
             <a:pPr marL="285750" marR="0" lvl="0" indent="-285750" algn="l" rtl="0">

--- a/resources/Happiness_factor _NEW.pptx
+++ b/resources/Happiness_factor _NEW.pptx
@@ -24522,8 +24522,8 @@
         </p:nvSpPr>
         <p:spPr>
           <a:xfrm>
-            <a:off x="835307" y="1622989"/>
-            <a:ext cx="10065574" cy="3795545"/>
+            <a:off x="846880" y="1226631"/>
+            <a:ext cx="10330105" cy="5447844"/>
           </a:xfrm>
           <a:prstGeom prst="rect">
             <a:avLst/>
@@ -24551,8 +24551,8 @@
               <a:buChar char="➡️"/>
             </a:pPr>
             <a:r>
-              <a:rPr lang="en-GB" sz="1600" dirty="0">
-                <a:latin typeface="Quattrocento Sans"/>
+              <a:rPr lang="en-GB" sz="1600" b="1" dirty="0">
+                <a:latin typeface="Quattrocento Sans" panose="020B0502050000020003" pitchFamily="34" charset="0"/>
                 <a:ea typeface="Quattrocento Sans"/>
                 <a:cs typeface="Quattrocento Sans"/>
                 <a:sym typeface="Quattrocento Sans"/>
@@ -24560,35 +24560,37 @@
               <a:t>Cost of Living Index: </a:t>
             </a:r>
             <a:r>
-              <a:rPr lang="en-GB" dirty="0"/>
-              <a:t>Every index is </a:t>
+              <a:rPr lang="en-GB" sz="1600" dirty="0">
+                <a:latin typeface="Quattrocento Sans" panose="020B0502050000020003" pitchFamily="34" charset="0"/>
+              </a:rPr>
+              <a:t>Every index is relative to New York City (NYC). For New York City, each index should be 100(%). If another city has, an index of 120, it means </a:t>
             </a:r>
             <a:r>
-              <a:rPr lang="en-GB" b="1" dirty="0"/>
-              <a:t>relative to New York City (NYC)</a:t>
-            </a:r>
-            <a:r>
-              <a:rPr lang="en-GB" dirty="0"/>
-              <a:t>. For New York City, each index should be 100(%). If another city has, an index of 120, it means </a:t>
-            </a:r>
-            <a:r>
-              <a:rPr lang="en-GB" dirty="0" err="1"/>
+              <a:rPr lang="en-GB" sz="1600" dirty="0" err="1">
+                <a:latin typeface="Quattrocento Sans" panose="020B0502050000020003" pitchFamily="34" charset="0"/>
+              </a:rPr>
               <a:t>Numbeo</a:t>
             </a:r>
             <a:r>
-              <a:rPr lang="en-GB" dirty="0"/>
+              <a:rPr lang="en-GB" sz="1600" dirty="0">
+                <a:latin typeface="Quattrocento Sans" panose="020B0502050000020003" pitchFamily="34" charset="0"/>
+              </a:rPr>
               <a:t> has estimated it is 20% more expensive than New York (excluding rent). If a city has an index of 70, it means </a:t>
             </a:r>
             <a:r>
-              <a:rPr lang="en-GB" dirty="0" err="1"/>
+              <a:rPr lang="en-GB" sz="1600" dirty="0" err="1">
+                <a:latin typeface="Quattrocento Sans" panose="020B0502050000020003" pitchFamily="34" charset="0"/>
+              </a:rPr>
               <a:t>Numbeo</a:t>
             </a:r>
             <a:r>
-              <a:rPr lang="en-GB" dirty="0"/>
+              <a:rPr lang="en-GB" sz="1600" dirty="0">
+                <a:latin typeface="Quattrocento Sans" panose="020B0502050000020003" pitchFamily="34" charset="0"/>
+              </a:rPr>
               <a:t> has estimated it is 30% less expensive than New York (excluding rent).</a:t>
             </a:r>
             <a:endParaRPr lang="en-GB" sz="1600" dirty="0">
-              <a:latin typeface="Quattrocento Sans"/>
+              <a:latin typeface="Quattrocento Sans" panose="020B0502050000020003" pitchFamily="34" charset="0"/>
               <a:ea typeface="Quattrocento Sans"/>
               <a:cs typeface="Quattrocento Sans"/>
               <a:sym typeface="Quattrocento Sans"/>
@@ -24613,26 +24615,29 @@
               <a:buChar char="➡️"/>
             </a:pPr>
             <a:r>
-              <a:rPr lang="en-GB" sz="1600" dirty="0">
-                <a:latin typeface="Quattrocento Sans"/>
+              <a:rPr lang="en-GB" sz="1600" b="1" dirty="0">
+                <a:latin typeface="Quattrocento Sans" panose="020B0502050000020003" pitchFamily="34" charset="0"/>
                 <a:ea typeface="Quattrocento Sans"/>
                 <a:cs typeface="Quattrocento Sans"/>
                 <a:sym typeface="Quattrocento Sans"/>
               </a:rPr>
-              <a:t>Social support: support from society, family and friends </a:t>
+              <a:t>Social support</a:t>
             </a:r>
-          </a:p>
-          <a:p>
-            <a:pPr marL="285750" marR="0" lvl="0" indent="-285750" algn="l" rtl="0">
+            <a:r>
+              <a:rPr lang="en-GB" sz="1600" dirty="0">
+                <a:latin typeface="Quattrocento Sans" panose="020B0502050000020003" pitchFamily="34" charset="0"/>
+                <a:ea typeface="Quattrocento Sans"/>
+                <a:cs typeface="Quattrocento Sans"/>
+                <a:sym typeface="Quattrocento Sans"/>
+              </a:rPr>
+              <a:t>: support from society, family and friends </a:t>
+            </a:r>
+          </a:p>
+          <a:p>
+            <a:pPr marL="285750" lvl="0" indent="-285750">
               <a:lnSpc>
                 <a:spcPct val="200000"/>
               </a:lnSpc>
-              <a:spcBef>
-                <a:spcPts val="0"/>
-              </a:spcBef>
-              <a:spcAft>
-                <a:spcPts val="0"/>
-              </a:spcAft>
               <a:buClr>
                 <a:srgbClr val="000000"/>
               </a:buClr>
@@ -24641,32 +24646,41 @@
               <a:buChar char="➡️"/>
             </a:pPr>
             <a:r>
-              <a:rPr lang="en-GB" sz="1600">
-                <a:latin typeface="Quattrocento Sans"/>
+              <a:rPr lang="en-GB" sz="1600" b="1" dirty="0">
+                <a:latin typeface="Quattrocento Sans" panose="020B0502050000020003" pitchFamily="34" charset="0"/>
                 <a:ea typeface="Quattrocento Sans"/>
                 <a:cs typeface="Quattrocento Sans"/>
                 <a:sym typeface="Quattrocento Sans"/>
               </a:rPr>
-              <a:t>Life ladder: </a:t>
+              <a:t>Life ladder</a:t>
+            </a:r>
+            <a:r>
+              <a:rPr lang="en-GB" sz="1600" dirty="0">
+                <a:latin typeface="Quattrocento Sans" panose="020B0502050000020003" pitchFamily="34" charset="0"/>
+                <a:ea typeface="Quattrocento Sans"/>
+                <a:cs typeface="Quattrocento Sans"/>
+                <a:sym typeface="Quattrocento Sans"/>
+              </a:rPr>
+              <a:t>: </a:t>
+            </a:r>
+            <a:r>
+              <a:rPr lang="en-GB" sz="1600" dirty="0">
+                <a:latin typeface="Quattrocento Sans" panose="020B0502050000020003" pitchFamily="34" charset="0"/>
+              </a:rPr>
+              <a:t>respondents evaluate their current life as a whole using the mental image of a ladder, with the best possible life for them as a 10 and worst possible as a 0</a:t>
             </a:r>
             <a:endParaRPr lang="en-GB" sz="1600" dirty="0">
-              <a:latin typeface="Quattrocento Sans"/>
+              <a:latin typeface="Quattrocento Sans" panose="020B0502050000020003" pitchFamily="34" charset="0"/>
               <a:ea typeface="Quattrocento Sans"/>
               <a:cs typeface="Quattrocento Sans"/>
               <a:sym typeface="Quattrocento Sans"/>
             </a:endParaRPr>
           </a:p>
           <a:p>
-            <a:pPr marL="285750" marR="0" lvl="0" indent="-285750" algn="l" rtl="0">
+            <a:pPr marL="285750" lvl="0" indent="-285750">
               <a:lnSpc>
                 <a:spcPct val="200000"/>
               </a:lnSpc>
-              <a:spcBef>
-                <a:spcPts val="0"/>
-              </a:spcBef>
-              <a:spcAft>
-                <a:spcPts val="0"/>
-              </a:spcAft>
               <a:buClr>
                 <a:srgbClr val="000000"/>
               </a:buClr>
@@ -24675,14 +24689,35 @@
               <a:buChar char="➡️"/>
             </a:pPr>
             <a:r>
-              <a:rPr lang="en-GB" sz="1600" dirty="0">
-                <a:latin typeface="Quattrocento Sans"/>
+              <a:rPr lang="en-GB" sz="1600" b="1" dirty="0">
+                <a:latin typeface="Quattrocento Sans" panose="020B0502050000020003" pitchFamily="34" charset="0"/>
                 <a:ea typeface="Quattrocento Sans"/>
                 <a:cs typeface="Quattrocento Sans"/>
                 <a:sym typeface="Quattrocento Sans"/>
               </a:rPr>
-              <a:t>Purchasing Power Index </a:t>
+              <a:t>Local Purchasing Power Index</a:t>
             </a:r>
+            <a:r>
+              <a:rPr lang="en-GB" sz="1600" dirty="0">
+                <a:latin typeface="Quattrocento Sans" panose="020B0502050000020003" pitchFamily="34" charset="0"/>
+                <a:ea typeface="Quattrocento Sans"/>
+                <a:cs typeface="Quattrocento Sans"/>
+                <a:sym typeface="Quattrocento Sans"/>
+              </a:rPr>
+              <a:t>: </a:t>
+            </a:r>
+            <a:r>
+              <a:rPr lang="en-GB" sz="1600" dirty="0">
+                <a:latin typeface="Quattrocento Sans" panose="020B0502050000020003" pitchFamily="34" charset="0"/>
+              </a:rPr>
+              <a:t>how many goods/services people can buy in a given city for the average net salary in that city. If domestic purchasing power is 40, this means that the inhabitants of that city with an average salary can afford to buy on an average 60% less goods and services than New York City residents with an average salary.</a:t>
+            </a:r>
+            <a:endParaRPr lang="en-GB" sz="1600" dirty="0">
+              <a:latin typeface="Quattrocento Sans" panose="020B0502050000020003" pitchFamily="34" charset="0"/>
+              <a:ea typeface="Quattrocento Sans"/>
+              <a:cs typeface="Quattrocento Sans"/>
+              <a:sym typeface="Quattrocento Sans"/>
+            </a:endParaRPr>
           </a:p>
           <a:p>
             <a:pPr marL="0" lvl="2">
@@ -24692,7 +24727,7 @@
               <a:buSzPct val="75000"/>
             </a:pPr>
             <a:endParaRPr lang="en-GB" sz="1600" dirty="0">
-              <a:latin typeface="Quattrocento Sans"/>
+              <a:latin typeface="Quattrocento Sans" panose="020B0502050000020003" pitchFamily="34" charset="0"/>
               <a:ea typeface="Quattrocento Sans"/>
               <a:cs typeface="Quattrocento Sans"/>
               <a:sym typeface="Quattrocento Sans"/>
